--- a/Enhancing Performance with SQL Stored Procedures & UDF.pptx
+++ b/Enhancing Performance with SQL Stored Procedures & UDF.pptx
@@ -159,12 +159,25 @@
 </p:presentation>
 </file>
 
-<file path=ppt/revisionInfo.xml><?xml version="1.0" encoding="utf-8"?>
-<p1510:revInfo xmlns:a="http://schemas.openxmlformats.org/drawingml/2006/main" xmlns:r="http://schemas.openxmlformats.org/officeDocument/2006/relationships" xmlns:p1510="http://schemas.microsoft.com/office/powerpoint/2015/10/main">
-  <p1510:revLst>
-    <p1510:client id="{7DAB9CC7-ED11-4DDD-AD37-7F241562C271}" v="24" dt="2024-07-25T02:16:15.973"/>
-  </p1510:revLst>
-</p1510:revInfo>
+<file path=ppt/changesInfos/changesInfo1.xml><?xml version="1.0" encoding="utf-8"?>
+<pc:chgInfo xmlns:a="http://schemas.openxmlformats.org/drawingml/2006/main" xmlns:r="http://schemas.openxmlformats.org/officeDocument/2006/relationships" xmlns:ac="http://schemas.microsoft.com/office/drawing/2013/main/command" xmlns:pc="http://schemas.microsoft.com/office/powerpoint/2013/main/command">
+  <pc:docChgLst>
+    <pc:chgData name="Ravisankar Pandian" userId="ed09f74a-2b53-4ce0-832d-148e0a91ef02" providerId="ADAL" clId="{F09E2D5A-95F6-454E-BE18-510E8DAFF152}"/>
+    <pc:docChg chg="custSel modSld">
+      <pc:chgData name="Ravisankar Pandian" userId="ed09f74a-2b53-4ce0-832d-148e0a91ef02" providerId="ADAL" clId="{F09E2D5A-95F6-454E-BE18-510E8DAFF152}" dt="2024-07-26T04:07:38.062" v="4" actId="5793"/>
+      <pc:docMkLst>
+        <pc:docMk/>
+      </pc:docMkLst>
+      <pc:sldChg chg="modNotesTx">
+        <pc:chgData name="Ravisankar Pandian" userId="ed09f74a-2b53-4ce0-832d-148e0a91ef02" providerId="ADAL" clId="{F09E2D5A-95F6-454E-BE18-510E8DAFF152}" dt="2024-07-26T04:07:38.062" v="4" actId="5793"/>
+        <pc:sldMkLst>
+          <pc:docMk/>
+          <pc:sldMk cId="1465494459" sldId="285"/>
+        </pc:sldMkLst>
+      </pc:sldChg>
+    </pc:docChg>
+  </pc:docChgLst>
+</pc:chgInfo>
 </file>
 
 <file path=ppt/handoutMasters/handoutMaster1.xml><?xml version="1.0" encoding="utf-8"?>
@@ -261,7 +274,7 @@
           <a:p>
             <a:fld id="{75A3273E-3781-48D3-A31F-F752C7DB28AD}" type="datetimeFigureOut">
               <a:rPr lang="en-US" smtClean="0"/>
-              <a:t>7/23/2024</a:t>
+              <a:t>7/26/2024</a:t>
             </a:fld>
             <a:endParaRPr lang="en-US"/>
           </a:p>
@@ -439,7 +452,7 @@
           <a:p>
             <a:fld id="{3A9CDE7A-5932-4913-9F1C-43B1E9CC019B}" type="datetimeFigureOut">
               <a:rPr lang="en-US" smtClean="0"/>
-              <a:t>7/23/2024</a:t>
+              <a:t>7/25/2024</a:t>
             </a:fld>
             <a:endParaRPr lang="en-US"/>
           </a:p>
@@ -1687,6 +1700,10 @@
           <a:bodyPr/>
           <a:lstStyle/>
           <a:p>
+            <a:r>
+              <a:rPr lang="en-US"/>
+              <a:t>N </a:t>
+            </a:r>
             <a:endParaRPr lang="en-US" dirty="0"/>
           </a:p>
         </p:txBody>
@@ -2273,7 +2290,7 @@
           <a:p>
             <a:fld id="{838FE5D1-9AAE-4E69-9355-139EF2F27780}" type="datetimeFigureOut">
               <a:rPr lang="en-US" smtClean="0"/>
-              <a:t>7/23/2024</a:t>
+              <a:t>7/25/2024</a:t>
             </a:fld>
             <a:endParaRPr lang="en-US"/>
           </a:p>
@@ -2471,7 +2488,7 @@
           <a:p>
             <a:fld id="{838FE5D1-9AAE-4E69-9355-139EF2F27780}" type="datetimeFigureOut">
               <a:rPr lang="en-US" smtClean="0"/>
-              <a:t>7/23/2024</a:t>
+              <a:t>7/25/2024</a:t>
             </a:fld>
             <a:endParaRPr lang="en-US"/>
           </a:p>
@@ -2679,7 +2696,7 @@
           <a:p>
             <a:fld id="{838FE5D1-9AAE-4E69-9355-139EF2F27780}" type="datetimeFigureOut">
               <a:rPr lang="en-US" smtClean="0"/>
-              <a:t>7/23/2024</a:t>
+              <a:t>7/25/2024</a:t>
             </a:fld>
             <a:endParaRPr lang="en-US"/>
           </a:p>
@@ -2877,7 +2894,7 @@
           <a:p>
             <a:fld id="{838FE5D1-9AAE-4E69-9355-139EF2F27780}" type="datetimeFigureOut">
               <a:rPr lang="en-US" smtClean="0"/>
-              <a:t>7/23/2024</a:t>
+              <a:t>7/25/2024</a:t>
             </a:fld>
             <a:endParaRPr lang="en-US"/>
           </a:p>
@@ -3152,7 +3169,7 @@
           <a:p>
             <a:fld id="{838FE5D1-9AAE-4E69-9355-139EF2F27780}" type="datetimeFigureOut">
               <a:rPr lang="en-US" smtClean="0"/>
-              <a:t>7/23/2024</a:t>
+              <a:t>7/25/2024</a:t>
             </a:fld>
             <a:endParaRPr lang="en-US"/>
           </a:p>
@@ -3417,7 +3434,7 @@
           <a:p>
             <a:fld id="{838FE5D1-9AAE-4E69-9355-139EF2F27780}" type="datetimeFigureOut">
               <a:rPr lang="en-US" smtClean="0"/>
-              <a:t>7/23/2024</a:t>
+              <a:t>7/25/2024</a:t>
             </a:fld>
             <a:endParaRPr lang="en-US"/>
           </a:p>
@@ -3829,7 +3846,7 @@
           <a:p>
             <a:fld id="{838FE5D1-9AAE-4E69-9355-139EF2F27780}" type="datetimeFigureOut">
               <a:rPr lang="en-US" smtClean="0"/>
-              <a:t>7/23/2024</a:t>
+              <a:t>7/25/2024</a:t>
             </a:fld>
             <a:endParaRPr lang="en-US"/>
           </a:p>
@@ -3970,7 +3987,7 @@
           <a:p>
             <a:fld id="{838FE5D1-9AAE-4E69-9355-139EF2F27780}" type="datetimeFigureOut">
               <a:rPr lang="en-US" smtClean="0"/>
-              <a:t>7/23/2024</a:t>
+              <a:t>7/25/2024</a:t>
             </a:fld>
             <a:endParaRPr lang="en-US"/>
           </a:p>
@@ -4083,7 +4100,7 @@
           <a:p>
             <a:fld id="{838FE5D1-9AAE-4E69-9355-139EF2F27780}" type="datetimeFigureOut">
               <a:rPr lang="en-US" smtClean="0"/>
-              <a:t>7/23/2024</a:t>
+              <a:t>7/25/2024</a:t>
             </a:fld>
             <a:endParaRPr lang="en-US"/>
           </a:p>
@@ -4394,7 +4411,7 @@
           <a:p>
             <a:fld id="{838FE5D1-9AAE-4E69-9355-139EF2F27780}" type="datetimeFigureOut">
               <a:rPr lang="en-US" smtClean="0"/>
-              <a:t>7/23/2024</a:t>
+              <a:t>7/25/2024</a:t>
             </a:fld>
             <a:endParaRPr lang="en-US"/>
           </a:p>
@@ -4682,7 +4699,7 @@
           <a:p>
             <a:fld id="{838FE5D1-9AAE-4E69-9355-139EF2F27780}" type="datetimeFigureOut">
               <a:rPr lang="en-US" smtClean="0"/>
-              <a:t>7/23/2024</a:t>
+              <a:t>7/25/2024</a:t>
             </a:fld>
             <a:endParaRPr lang="en-US"/>
           </a:p>
@@ -4923,7 +4940,7 @@
           <a:p>
             <a:fld id="{838FE5D1-9AAE-4E69-9355-139EF2F27780}" type="datetimeFigureOut">
               <a:rPr lang="en-US" smtClean="0"/>
-              <a:t>7/23/2024</a:t>
+              <a:t>7/25/2024</a:t>
             </a:fld>
             <a:endParaRPr lang="en-US"/>
           </a:p>
